--- a/documents/Presentation.pptx
+++ b/documents/Presentation.pptx
@@ -6,7 +6,8 @@
   </p:sldMasterIdLst>
   <p:sldIdLst>
     <p:sldId id="256" r:id="rId2"/>
-    <p:sldId id="257" r:id="rId3"/>
+    <p:sldId id="259" r:id="rId3"/>
+    <p:sldId id="257" r:id="rId4"/>
   </p:sldIdLst>
   <p:sldSz cx="12192000" cy="6858000"/>
   <p:notesSz cx="6858000" cy="9144000"/>
@@ -105,6 +106,11 @@
       </a:defRPr>
     </a:lvl9pPr>
   </p:defaultTextStyle>
+  <p:extLst>
+    <p:ext uri="{EFAFB233-063F-42B5-8137-9DF3F51BA10A}">
+      <p15:sldGuideLst xmlns:p15="http://schemas.microsoft.com/office/powerpoint/2012/main"/>
+    </p:ext>
+  </p:extLst>
 </p:presentation>
 </file>
 
@@ -239,7 +245,7 @@
           <a:p>
             <a:fld id="{3331923A-0B79-1F41-B868-D2175D30A028}" type="datetimeFigureOut">
               <a:rPr lang="en-US" smtClean="0"/>
-              <a:t>5/9/18</a:t>
+              <a:t>5/10/18</a:t>
             </a:fld>
             <a:endParaRPr lang="en-US"/>
           </a:p>
@@ -404,7 +410,7 @@
           <a:p>
             <a:fld id="{3331923A-0B79-1F41-B868-D2175D30A028}" type="datetimeFigureOut">
               <a:rPr lang="en-US" smtClean="0"/>
-              <a:t>5/9/18</a:t>
+              <a:t>5/10/18</a:t>
             </a:fld>
             <a:endParaRPr lang="en-US"/>
           </a:p>
@@ -579,7 +585,7 @@
           <a:p>
             <a:fld id="{3331923A-0B79-1F41-B868-D2175D30A028}" type="datetimeFigureOut">
               <a:rPr lang="en-US" smtClean="0"/>
-              <a:t>5/9/18</a:t>
+              <a:t>5/10/18</a:t>
             </a:fld>
             <a:endParaRPr lang="en-US"/>
           </a:p>
@@ -744,7 +750,7 @@
           <a:p>
             <a:fld id="{3331923A-0B79-1F41-B868-D2175D30A028}" type="datetimeFigureOut">
               <a:rPr lang="en-US" smtClean="0"/>
-              <a:t>5/9/18</a:t>
+              <a:t>5/10/18</a:t>
             </a:fld>
             <a:endParaRPr lang="en-US"/>
           </a:p>
@@ -985,7 +991,7 @@
           <a:p>
             <a:fld id="{3331923A-0B79-1F41-B868-D2175D30A028}" type="datetimeFigureOut">
               <a:rPr lang="en-US" smtClean="0"/>
-              <a:t>5/9/18</a:t>
+              <a:t>5/10/18</a:t>
             </a:fld>
             <a:endParaRPr lang="en-US"/>
           </a:p>
@@ -1212,7 +1218,7 @@
           <a:p>
             <a:fld id="{3331923A-0B79-1F41-B868-D2175D30A028}" type="datetimeFigureOut">
               <a:rPr lang="en-US" smtClean="0"/>
-              <a:t>5/9/18</a:t>
+              <a:t>5/10/18</a:t>
             </a:fld>
             <a:endParaRPr lang="en-US"/>
           </a:p>
@@ -1574,7 +1580,7 @@
           <a:p>
             <a:fld id="{3331923A-0B79-1F41-B868-D2175D30A028}" type="datetimeFigureOut">
               <a:rPr lang="en-US" smtClean="0"/>
-              <a:t>5/9/18</a:t>
+              <a:t>5/10/18</a:t>
             </a:fld>
             <a:endParaRPr lang="en-US"/>
           </a:p>
@@ -1687,7 +1693,7 @@
           <a:p>
             <a:fld id="{3331923A-0B79-1F41-B868-D2175D30A028}" type="datetimeFigureOut">
               <a:rPr lang="en-US" smtClean="0"/>
-              <a:t>5/9/18</a:t>
+              <a:t>5/10/18</a:t>
             </a:fld>
             <a:endParaRPr lang="en-US"/>
           </a:p>
@@ -1777,7 +1783,7 @@
           <a:p>
             <a:fld id="{3331923A-0B79-1F41-B868-D2175D30A028}" type="datetimeFigureOut">
               <a:rPr lang="en-US" smtClean="0"/>
-              <a:t>5/9/18</a:t>
+              <a:t>5/10/18</a:t>
             </a:fld>
             <a:endParaRPr lang="en-US"/>
           </a:p>
@@ -2049,7 +2055,7 @@
           <a:p>
             <a:fld id="{3331923A-0B79-1F41-B868-D2175D30A028}" type="datetimeFigureOut">
               <a:rPr lang="en-US" smtClean="0"/>
-              <a:t>5/9/18</a:t>
+              <a:t>5/10/18</a:t>
             </a:fld>
             <a:endParaRPr lang="en-US"/>
           </a:p>
@@ -2301,7 +2307,7 @@
           <a:p>
             <a:fld id="{3331923A-0B79-1F41-B868-D2175D30A028}" type="datetimeFigureOut">
               <a:rPr lang="en-US" smtClean="0"/>
-              <a:t>5/9/18</a:t>
+              <a:t>5/10/18</a:t>
             </a:fld>
             <a:endParaRPr lang="en-US"/>
           </a:p>
@@ -2509,7 +2515,7 @@
           <a:p>
             <a:fld id="{3331923A-0B79-1F41-B868-D2175D30A028}" type="datetimeFigureOut">
               <a:rPr lang="en-US" smtClean="0"/>
-              <a:t>5/9/18</a:t>
+              <a:t>5/10/18</a:t>
             </a:fld>
             <a:endParaRPr lang="en-US"/>
           </a:p>
@@ -3030,6 +3036,170 @@
       </p:grpSpPr>
       <p:sp>
         <p:nvSpPr>
+          <p:cNvPr id="6" name="TextBox 5"/>
+          <p:cNvSpPr txBox="1"/>
+          <p:nvPr/>
+        </p:nvSpPr>
+        <p:spPr>
+          <a:xfrm>
+            <a:off x="589547" y="469232"/>
+            <a:ext cx="10551695" cy="769441"/>
+          </a:xfrm>
+          <a:prstGeom prst="rect">
+            <a:avLst/>
+          </a:prstGeom>
+          <a:noFill/>
+        </p:spPr>
+        <p:txBody>
+          <a:bodyPr wrap="square" rtlCol="0">
+            <a:spAutoFit/>
+          </a:bodyPr>
+          <a:lstStyle/>
+          <a:p>
+            <a:pPr algn="ctr"/>
+            <a:r>
+              <a:rPr lang="en-US" sz="4400" dirty="0" smtClean="0">
+                <a:latin typeface="+mj-lt"/>
+              </a:rPr>
+              <a:t>General Questions</a:t>
+            </a:r>
+            <a:endParaRPr lang="en-US" sz="4400" dirty="0">
+              <a:latin typeface="+mj-lt"/>
+            </a:endParaRPr>
+          </a:p>
+        </p:txBody>
+      </p:sp>
+      <p:sp>
+        <p:nvSpPr>
+          <p:cNvPr id="8" name="TextBox 7"/>
+          <p:cNvSpPr txBox="1"/>
+          <p:nvPr/>
+        </p:nvSpPr>
+        <p:spPr>
+          <a:xfrm>
+            <a:off x="733926" y="1552074"/>
+            <a:ext cx="10539663" cy="2954655"/>
+          </a:xfrm>
+          <a:prstGeom prst="rect">
+            <a:avLst/>
+          </a:prstGeom>
+          <a:noFill/>
+        </p:spPr>
+        <p:txBody>
+          <a:bodyPr wrap="square" rtlCol="0">
+            <a:spAutoFit/>
+          </a:bodyPr>
+          <a:lstStyle/>
+          <a:p>
+            <a:pPr marL="285750" indent="-285750">
+              <a:buFont typeface="Arial" charset="0"/>
+              <a:buChar char="•"/>
+            </a:pPr>
+            <a:r>
+              <a:rPr lang="en-US" sz="2400" dirty="0" smtClean="0"/>
+              <a:t>How has out-of-state migration to Portland changed over time?</a:t>
+            </a:r>
+          </a:p>
+          <a:p>
+            <a:pPr marL="285750" indent="-285750">
+              <a:buFont typeface="Arial" charset="0"/>
+              <a:buChar char="•"/>
+            </a:pPr>
+            <a:r>
+              <a:rPr lang="en-US" sz="2400" dirty="0" smtClean="0"/>
+              <a:t>Specifically, what do patterns of migration from the Bay Area and Puget Sound Area look like?</a:t>
+            </a:r>
+          </a:p>
+          <a:p>
+            <a:pPr marL="285750" indent="-285750">
+              <a:buFont typeface="Arial" charset="0"/>
+              <a:buChar char="•"/>
+            </a:pPr>
+            <a:r>
+              <a:rPr lang="en-US" sz="2400" dirty="0" smtClean="0"/>
+              <a:t>How has economic disparity </a:t>
+            </a:r>
+            <a:r>
+              <a:rPr lang="en-US" sz="2400" dirty="0"/>
+              <a:t>c</a:t>
+            </a:r>
+            <a:r>
+              <a:rPr lang="en-US" sz="2400" dirty="0" smtClean="0"/>
+              <a:t>hanged in Portland the last ten years?</a:t>
+            </a:r>
+          </a:p>
+          <a:p>
+            <a:pPr marL="285750" indent="-285750">
+              <a:buFont typeface="Arial" charset="0"/>
+              <a:buChar char="•"/>
+            </a:pPr>
+            <a:r>
+              <a:rPr lang="en-US" sz="2400" dirty="0" smtClean="0"/>
+              <a:t>How have housing prices changed over the last ten years?</a:t>
+            </a:r>
+          </a:p>
+          <a:p>
+            <a:pPr marL="285750" indent="-285750">
+              <a:buFont typeface="Arial" charset="0"/>
+              <a:buChar char="•"/>
+            </a:pPr>
+            <a:r>
+              <a:rPr lang="en-US" sz="2400" dirty="0" smtClean="0"/>
+              <a:t>How might patterns of migration, economic distribution, and housing prices relate?</a:t>
+            </a:r>
+          </a:p>
+          <a:p>
+            <a:pPr marL="285750" indent="-285750">
+              <a:buFont typeface="Arial" charset="0"/>
+              <a:buChar char="•"/>
+            </a:pPr>
+            <a:endParaRPr lang="en-US" dirty="0"/>
+          </a:p>
+        </p:txBody>
+      </p:sp>
+    </p:spTree>
+    <p:extLst>
+      <p:ext uri="{BB962C8B-B14F-4D97-AF65-F5344CB8AC3E}">
+        <p14:creationId xmlns:p14="http://schemas.microsoft.com/office/powerpoint/2010/main" val="303064262"/>
+      </p:ext>
+    </p:extLst>
+  </p:cSld>
+  <p:clrMapOvr>
+    <a:masterClrMapping/>
+  </p:clrMapOvr>
+</p:sld>
+</file>
+
+<file path=ppt/slides/slide3.xml><?xml version="1.0" encoding="utf-8"?>
+<p:sld xmlns:a="http://schemas.openxmlformats.org/drawingml/2006/main" xmlns:r="http://schemas.openxmlformats.org/officeDocument/2006/relationships" xmlns:p="http://schemas.openxmlformats.org/presentationml/2006/main">
+  <p:cSld>
+    <p:bg>
+      <p:bgPr>
+        <a:solidFill>
+          <a:schemeClr val="accent1">
+            <a:lumMod val="60000"/>
+            <a:lumOff val="40000"/>
+          </a:schemeClr>
+        </a:solidFill>
+        <a:effectLst/>
+      </p:bgPr>
+    </p:bg>
+    <p:spTree>
+      <p:nvGrpSpPr>
+        <p:cNvPr id="1" name=""/>
+        <p:cNvGrpSpPr/>
+        <p:nvPr/>
+      </p:nvGrpSpPr>
+      <p:grpSpPr>
+        <a:xfrm>
+          <a:off x="0" y="0"/>
+          <a:ext cx="0" cy="0"/>
+          <a:chOff x="0" y="0"/>
+          <a:chExt cx="0" cy="0"/>
+        </a:xfrm>
+      </p:grpSpPr>
+      <p:sp>
+        <p:nvSpPr>
           <p:cNvPr id="2" name="Rounded Rectangle 1"/>
           <p:cNvSpPr/>
           <p:nvPr/>
@@ -3362,11 +3532,6 @@
               </a:rPr>
               <a:t>Source: Portland Metro</a:t>
             </a:r>
-            <a:endParaRPr lang="en-US" dirty="0" smtClean="0">
-              <a:solidFill>
-                <a:schemeClr val="tx1"/>
-              </a:solidFill>
-            </a:endParaRPr>
           </a:p>
         </p:txBody>
       </p:sp>
@@ -3430,11 +3595,6 @@
               </a:rPr>
               <a:t>Source: IRS</a:t>
             </a:r>
-            <a:endParaRPr lang="en-US" dirty="0" smtClean="0">
-              <a:solidFill>
-                <a:schemeClr val="tx1"/>
-              </a:solidFill>
-            </a:endParaRPr>
           </a:p>
         </p:txBody>
       </p:sp>
@@ -3480,7 +3640,7 @@
           <a:p>
             <a:pPr algn="ctr"/>
             <a:r>
-              <a:rPr lang="en-US" dirty="0" smtClean="0">
+              <a:rPr lang="en-US" u="sng" dirty="0" smtClean="0">
                 <a:solidFill>
                   <a:schemeClr val="tx1"/>
                 </a:solidFill>
@@ -3498,11 +3658,6 @@
               </a:rPr>
               <a:t>Source: Census Bureau</a:t>
             </a:r>
-            <a:endParaRPr lang="en-US" dirty="0" smtClean="0">
-              <a:solidFill>
-                <a:schemeClr val="tx1"/>
-              </a:solidFill>
-            </a:endParaRPr>
           </a:p>
         </p:txBody>
       </p:sp>

--- a/documents/Presentation.pptx
+++ b/documents/Presentation.pptx
@@ -2948,7 +2948,19 @@
           <a:p>
             <a:r>
               <a:rPr lang="en-US" dirty="0" smtClean="0"/>
-              <a:t>Migration, Occupation and Real Estate in Portland</a:t>
+              <a:t>Migration</a:t>
+            </a:r>
+            <a:r>
+              <a:rPr lang="en-US" smtClean="0"/>
+              <a:t>, </a:t>
+            </a:r>
+            <a:r>
+              <a:rPr lang="en-US" smtClean="0"/>
+              <a:t>Occupation, </a:t>
+            </a:r>
+            <a:r>
+              <a:rPr lang="en-US" dirty="0" smtClean="0"/>
+              <a:t>and Real Estate in Portland</a:t>
             </a:r>
             <a:endParaRPr lang="en-US" dirty="0"/>
           </a:p>
